--- a/week10/Presentation1.pptx
+++ b/week10/Presentation1.pptx
@@ -278,7 +278,7 @@
           <a:p>
             <a:fld id="{48A87A34-81AB-432B-8DAE-1953F412C126}" type="datetimeFigureOut">
               <a:rPr lang="en-US" dirty="0"/>
-              <a:t>4/19/16</a:t>
+              <a:t>5/3/16</a:t>
             </a:fld>
             <a:endParaRPr lang="en-US" dirty="0"/>
           </a:p>
@@ -484,7 +484,7 @@
           <a:p>
             <a:fld id="{48A87A34-81AB-432B-8DAE-1953F412C126}" type="datetimeFigureOut">
               <a:rPr lang="en-US" dirty="0"/>
-              <a:t>4/19/16</a:t>
+              <a:t>5/3/16</a:t>
             </a:fld>
             <a:endParaRPr lang="en-US" dirty="0"/>
           </a:p>
@@ -694,7 +694,7 @@
           <a:p>
             <a:fld id="{48A87A34-81AB-432B-8DAE-1953F412C126}" type="datetimeFigureOut">
               <a:rPr lang="en-US" dirty="0"/>
-              <a:t>4/19/16</a:t>
+              <a:t>5/3/16</a:t>
             </a:fld>
             <a:endParaRPr lang="en-US" dirty="0"/>
           </a:p>
@@ -890,7 +890,7 @@
           <a:p>
             <a:fld id="{48A87A34-81AB-432B-8DAE-1953F412C126}" type="datetimeFigureOut">
               <a:rPr lang="en-US" dirty="0"/>
-              <a:t>4/19/16</a:t>
+              <a:t>5/3/16</a:t>
             </a:fld>
             <a:endParaRPr lang="en-US" dirty="0"/>
           </a:p>
@@ -1164,7 +1164,7 @@
           <a:p>
             <a:fld id="{48A87A34-81AB-432B-8DAE-1953F412C126}" type="datetimeFigureOut">
               <a:rPr lang="en-US" dirty="0"/>
-              <a:t>4/19/16</a:t>
+              <a:t>5/3/16</a:t>
             </a:fld>
             <a:endParaRPr lang="en-US" dirty="0"/>
           </a:p>
@@ -1427,7 +1427,7 @@
           <a:p>
             <a:fld id="{48A87A34-81AB-432B-8DAE-1953F412C126}" type="datetimeFigureOut">
               <a:rPr lang="en-US" dirty="0"/>
-              <a:t>4/19/16</a:t>
+              <a:t>5/3/16</a:t>
             </a:fld>
             <a:endParaRPr lang="en-US" dirty="0"/>
           </a:p>
@@ -1838,7 +1838,7 @@
           <a:p>
             <a:fld id="{48A87A34-81AB-432B-8DAE-1953F412C126}" type="datetimeFigureOut">
               <a:rPr lang="en-US" dirty="0"/>
-              <a:t>4/19/16</a:t>
+              <a:t>5/3/16</a:t>
             </a:fld>
             <a:endParaRPr lang="en-US" dirty="0"/>
           </a:p>
@@ -1982,7 +1982,7 @@
           <a:p>
             <a:fld id="{48A87A34-81AB-432B-8DAE-1953F412C126}" type="datetimeFigureOut">
               <a:rPr lang="en-US" dirty="0"/>
-              <a:t>4/19/16</a:t>
+              <a:t>5/3/16</a:t>
             </a:fld>
             <a:endParaRPr lang="en-US" dirty="0"/>
           </a:p>
@@ -2103,7 +2103,7 @@
           <a:p>
             <a:fld id="{48A87A34-81AB-432B-8DAE-1953F412C126}" type="datetimeFigureOut">
               <a:rPr lang="en-US" dirty="0"/>
-              <a:t>4/19/16</a:t>
+              <a:t>5/3/16</a:t>
             </a:fld>
             <a:endParaRPr lang="en-US" dirty="0"/>
           </a:p>
@@ -2349,7 +2349,7 @@
           <a:p>
             <a:fld id="{48A87A34-81AB-432B-8DAE-1953F412C126}" type="datetimeFigureOut">
               <a:rPr lang="en-US" dirty="0"/>
-              <a:t>4/19/16</a:t>
+              <a:t>5/3/16</a:t>
             </a:fld>
             <a:endParaRPr lang="en-US" dirty="0"/>
           </a:p>
@@ -2790,7 +2790,7 @@
             <a:fld id="{48A87A34-81AB-432B-8DAE-1953F412C126}" type="datetimeFigureOut">
               <a:rPr lang="en-US" dirty="0"/>
               <a:pPr/>
-              <a:t>4/19/16</a:t>
+              <a:t>5/3/16</a:t>
             </a:fld>
             <a:endParaRPr lang="en-US" dirty="0"/>
           </a:p>
@@ -3112,7 +3112,7 @@
             <a:fld id="{48A87A34-81AB-432B-8DAE-1953F412C126}" type="datetimeFigureOut">
               <a:rPr lang="en-US" dirty="0"/>
               <a:pPr/>
-              <a:t>4/19/16</a:t>
+              <a:t>5/3/16</a:t>
             </a:fld>
             <a:endParaRPr lang="en-US" dirty="0"/>
           </a:p>
@@ -4459,15 +4459,7 @@
           <a:p>
             <a:r>
               <a:rPr lang="en-US" dirty="0" smtClean="0"/>
-              <a:t>Captured  Movies spent on chart ( Top </a:t>
-            </a:r>
-            <a:r>
-              <a:rPr lang="en-US" dirty="0" smtClean="0"/>
-              <a:t>10</a:t>
-            </a:r>
-            <a:r>
-              <a:rPr lang="en-US" dirty="0" smtClean="0"/>
-              <a:t>)</a:t>
+              <a:t>Captured  Movies spent on chart ( Top 10)</a:t>
             </a:r>
             <a:endParaRPr lang="en-US" dirty="0"/>
           </a:p>
@@ -4610,15 +4602,7 @@
           <a:p>
             <a:r>
               <a:rPr lang="en-US" dirty="0" smtClean="0"/>
-              <a:t>Captured  Movies spent on chart ( Top </a:t>
-            </a:r>
-            <a:r>
-              <a:rPr lang="en-US" dirty="0" smtClean="0"/>
-              <a:t>10</a:t>
-            </a:r>
-            <a:r>
-              <a:rPr lang="en-US" dirty="0" smtClean="0"/>
-              <a:t>)</a:t>
+              <a:t>Captured  Movies spent on chart ( Top 10)</a:t>
             </a:r>
             <a:endParaRPr lang="en-US" dirty="0"/>
           </a:p>
@@ -4761,15 +4745,7 @@
           <a:p>
             <a:r>
               <a:rPr lang="en-US" dirty="0" smtClean="0"/>
-              <a:t>Captured  Movies spent on chart ( Top </a:t>
-            </a:r>
-            <a:r>
-              <a:rPr lang="en-US" dirty="0" smtClean="0"/>
-              <a:t>10</a:t>
-            </a:r>
-            <a:r>
-              <a:rPr lang="en-US" dirty="0" smtClean="0"/>
-              <a:t>)</a:t>
+              <a:t>Captured  Movies spent on chart ( Top 10)</a:t>
             </a:r>
             <a:endParaRPr lang="en-US" dirty="0"/>
           </a:p>
@@ -4912,15 +4888,7 @@
           <a:p>
             <a:r>
               <a:rPr lang="en-US" dirty="0" smtClean="0"/>
-              <a:t>Captured  Movies spent on chart ( Top </a:t>
-            </a:r>
-            <a:r>
-              <a:rPr lang="en-US" dirty="0" smtClean="0"/>
-              <a:t>10</a:t>
-            </a:r>
-            <a:r>
-              <a:rPr lang="en-US" dirty="0" smtClean="0"/>
-              <a:t>)</a:t>
+              <a:t>Captured  Movies spent on chart ( Top 10)</a:t>
             </a:r>
             <a:endParaRPr lang="en-US" dirty="0"/>
           </a:p>
@@ -5063,15 +5031,7 @@
           <a:p>
             <a:r>
               <a:rPr lang="en-US" dirty="0" smtClean="0"/>
-              <a:t>Captured  Movies spent on chart ( Top </a:t>
-            </a:r>
-            <a:r>
-              <a:rPr lang="en-US" dirty="0" smtClean="0"/>
-              <a:t>10</a:t>
-            </a:r>
-            <a:r>
-              <a:rPr lang="en-US" dirty="0" smtClean="0"/>
-              <a:t>)</a:t>
+              <a:t>Captured  Movies spent on chart ( Top 10)</a:t>
             </a:r>
             <a:endParaRPr lang="en-US" dirty="0"/>
           </a:p>
@@ -5405,15 +5365,7 @@
           <a:p>
             <a:r>
               <a:rPr lang="en-US" dirty="0" smtClean="0"/>
-              <a:t>Captured  Movies spent on chart ( Top </a:t>
-            </a:r>
-            <a:r>
-              <a:rPr lang="en-US" dirty="0" smtClean="0"/>
-              <a:t>10</a:t>
-            </a:r>
-            <a:r>
-              <a:rPr lang="en-US" dirty="0" smtClean="0"/>
-              <a:t>)</a:t>
+              <a:t>Captured  Movies spent on chart ( Top 10)</a:t>
             </a:r>
             <a:endParaRPr lang="en-US" dirty="0"/>
           </a:p>
@@ -5556,15 +5508,7 @@
           <a:p>
             <a:r>
               <a:rPr lang="en-US" dirty="0" smtClean="0"/>
-              <a:t>Captured  Movies spent on chart ( Top </a:t>
-            </a:r>
-            <a:r>
-              <a:rPr lang="en-US" dirty="0" smtClean="0"/>
-              <a:t>10</a:t>
-            </a:r>
-            <a:r>
-              <a:rPr lang="en-US" dirty="0" smtClean="0"/>
-              <a:t>)</a:t>
+              <a:t>Captured  Movies spent on chart ( Top 10)</a:t>
             </a:r>
             <a:endParaRPr lang="en-US" dirty="0"/>
           </a:p>
@@ -5920,15 +5864,15 @@
           <a:p>
             <a:r>
               <a:rPr lang="en-US" dirty="0" smtClean="0"/>
-              <a:t>GINI INDEX FOR Songs with rolling average  for 1 year (Top </a:t>
+              <a:t>GINI INDEX FOR </a:t>
             </a:r>
             <a:r>
               <a:rPr lang="en-US" dirty="0" smtClean="0"/>
-              <a:t>10</a:t>
+              <a:t>Movies with </a:t>
             </a:r>
             <a:r>
               <a:rPr lang="en-US" dirty="0" smtClean="0"/>
-              <a:t>)</a:t>
+              <a:t>rolling average  for 1 year (Top 10)</a:t>
             </a:r>
             <a:endParaRPr lang="en-US" dirty="0"/>
           </a:p>
@@ -5958,7 +5902,7 @@
         </p:blipFill>
         <p:spPr>
           <a:xfrm>
-            <a:off x="1451579" y="2159000"/>
+            <a:off x="1237266" y="2201863"/>
             <a:ext cx="9435496" cy="3449638"/>
           </a:xfrm>
         </p:spPr>
